--- a/myweb_layout.pptx
+++ b/myweb_layout.pptx
@@ -243,7 +243,7 @@
           <a:p>
             <a:fld id="{1AB4BE4E-0DCC-436C-879B-4F0D6DF2E104}" type="datetimeFigureOut">
               <a:rPr lang="ko-KR" altLang="en-US" smtClean="0"/>
-              <a:t>2023-07-20</a:t>
+              <a:t>2023-07-21</a:t>
             </a:fld>
             <a:endParaRPr lang="ko-KR" altLang="en-US"/>
           </a:p>
@@ -413,7 +413,7 @@
           <a:p>
             <a:fld id="{1AB4BE4E-0DCC-436C-879B-4F0D6DF2E104}" type="datetimeFigureOut">
               <a:rPr lang="ko-KR" altLang="en-US" smtClean="0"/>
-              <a:t>2023-07-20</a:t>
+              <a:t>2023-07-21</a:t>
             </a:fld>
             <a:endParaRPr lang="ko-KR" altLang="en-US"/>
           </a:p>
@@ -593,7 +593,7 @@
           <a:p>
             <a:fld id="{1AB4BE4E-0DCC-436C-879B-4F0D6DF2E104}" type="datetimeFigureOut">
               <a:rPr lang="ko-KR" altLang="en-US" smtClean="0"/>
-              <a:t>2023-07-20</a:t>
+              <a:t>2023-07-21</a:t>
             </a:fld>
             <a:endParaRPr lang="ko-KR" altLang="en-US"/>
           </a:p>
@@ -763,7 +763,7 @@
           <a:p>
             <a:fld id="{1AB4BE4E-0DCC-436C-879B-4F0D6DF2E104}" type="datetimeFigureOut">
               <a:rPr lang="ko-KR" altLang="en-US" smtClean="0"/>
-              <a:t>2023-07-20</a:t>
+              <a:t>2023-07-21</a:t>
             </a:fld>
             <a:endParaRPr lang="ko-KR" altLang="en-US"/>
           </a:p>
@@ -1009,7 +1009,7 @@
           <a:p>
             <a:fld id="{1AB4BE4E-0DCC-436C-879B-4F0D6DF2E104}" type="datetimeFigureOut">
               <a:rPr lang="ko-KR" altLang="en-US" smtClean="0"/>
-              <a:t>2023-07-20</a:t>
+              <a:t>2023-07-21</a:t>
             </a:fld>
             <a:endParaRPr lang="ko-KR" altLang="en-US"/>
           </a:p>
@@ -1241,7 +1241,7 @@
           <a:p>
             <a:fld id="{1AB4BE4E-0DCC-436C-879B-4F0D6DF2E104}" type="datetimeFigureOut">
               <a:rPr lang="ko-KR" altLang="en-US" smtClean="0"/>
-              <a:t>2023-07-20</a:t>
+              <a:t>2023-07-21</a:t>
             </a:fld>
             <a:endParaRPr lang="ko-KR" altLang="en-US"/>
           </a:p>
@@ -1608,7 +1608,7 @@
           <a:p>
             <a:fld id="{1AB4BE4E-0DCC-436C-879B-4F0D6DF2E104}" type="datetimeFigureOut">
               <a:rPr lang="ko-KR" altLang="en-US" smtClean="0"/>
-              <a:t>2023-07-20</a:t>
+              <a:t>2023-07-21</a:t>
             </a:fld>
             <a:endParaRPr lang="ko-KR" altLang="en-US"/>
           </a:p>
@@ -1726,7 +1726,7 @@
           <a:p>
             <a:fld id="{1AB4BE4E-0DCC-436C-879B-4F0D6DF2E104}" type="datetimeFigureOut">
               <a:rPr lang="ko-KR" altLang="en-US" smtClean="0"/>
-              <a:t>2023-07-20</a:t>
+              <a:t>2023-07-21</a:t>
             </a:fld>
             <a:endParaRPr lang="ko-KR" altLang="en-US"/>
           </a:p>
@@ -1821,7 +1821,7 @@
           <a:p>
             <a:fld id="{1AB4BE4E-0DCC-436C-879B-4F0D6DF2E104}" type="datetimeFigureOut">
               <a:rPr lang="ko-KR" altLang="en-US" smtClean="0"/>
-              <a:t>2023-07-20</a:t>
+              <a:t>2023-07-21</a:t>
             </a:fld>
             <a:endParaRPr lang="ko-KR" altLang="en-US"/>
           </a:p>
@@ -2098,7 +2098,7 @@
           <a:p>
             <a:fld id="{1AB4BE4E-0DCC-436C-879B-4F0D6DF2E104}" type="datetimeFigureOut">
               <a:rPr lang="ko-KR" altLang="en-US" smtClean="0"/>
-              <a:t>2023-07-20</a:t>
+              <a:t>2023-07-21</a:t>
             </a:fld>
             <a:endParaRPr lang="ko-KR" altLang="en-US"/>
           </a:p>
@@ -2351,7 +2351,7 @@
           <a:p>
             <a:fld id="{1AB4BE4E-0DCC-436C-879B-4F0D6DF2E104}" type="datetimeFigureOut">
               <a:rPr lang="ko-KR" altLang="en-US" smtClean="0"/>
-              <a:t>2023-07-20</a:t>
+              <a:t>2023-07-21</a:t>
             </a:fld>
             <a:endParaRPr lang="ko-KR" altLang="en-US"/>
           </a:p>
@@ -2564,7 +2564,7 @@
           <a:p>
             <a:fld id="{1AB4BE4E-0DCC-436C-879B-4F0D6DF2E104}" type="datetimeFigureOut">
               <a:rPr lang="ko-KR" altLang="en-US" smtClean="0"/>
-              <a:t>2023-07-20</a:t>
+              <a:t>2023-07-21</a:t>
             </a:fld>
             <a:endParaRPr lang="ko-KR" altLang="en-US"/>
           </a:p>
@@ -3095,7 +3095,7 @@
         </p:nvSpPr>
         <p:spPr>
           <a:xfrm>
-            <a:off x="1532460" y="98968"/>
+            <a:off x="1480704" y="-4546"/>
             <a:ext cx="1253073" cy="369332"/>
           </a:xfrm>
           <a:prstGeom prst="rect">
@@ -3125,8 +3125,8 @@
         </p:nvSpPr>
         <p:spPr>
           <a:xfrm>
-            <a:off x="1532460" y="6347368"/>
-            <a:ext cx="2006600" cy="369332"/>
+            <a:off x="1549712" y="6347368"/>
+            <a:ext cx="1261699" cy="369332"/>
           </a:xfrm>
           <a:prstGeom prst="rect">
             <a:avLst/>
@@ -3225,7 +3225,7 @@
         </p:nvSpPr>
         <p:spPr>
           <a:xfrm>
-            <a:off x="1532460" y="3697867"/>
+            <a:off x="1472078" y="3697867"/>
             <a:ext cx="2006600" cy="369332"/>
           </a:xfrm>
           <a:prstGeom prst="rect">
@@ -3249,13 +3249,13 @@
       </p:sp>
       <p:sp>
         <p:nvSpPr>
-          <p:cNvPr id="20" name="TextBox 19"/>
+          <p:cNvPr id="21" name="TextBox 20"/>
           <p:cNvSpPr txBox="1"/>
           <p:nvPr/>
         </p:nvSpPr>
         <p:spPr>
           <a:xfrm>
-            <a:off x="1710263" y="754096"/>
+            <a:off x="1472078" y="5241435"/>
             <a:ext cx="2006600" cy="369332"/>
           </a:xfrm>
           <a:prstGeom prst="rect">
@@ -3271,36 +3271,6 @@
           <a:p>
             <a:r>
               <a:rPr lang="en-US" altLang="ko-KR" dirty="0" smtClean="0"/>
-              <a:t>&lt;main&gt;</a:t>
-            </a:r>
-            <a:endParaRPr lang="ko-KR" altLang="en-US" dirty="0"/>
-          </a:p>
-        </p:txBody>
-      </p:sp>
-      <p:sp>
-        <p:nvSpPr>
-          <p:cNvPr id="21" name="TextBox 20"/>
-          <p:cNvSpPr txBox="1"/>
-          <p:nvPr/>
-        </p:nvSpPr>
-        <p:spPr>
-          <a:xfrm>
-            <a:off x="1532460" y="5241435"/>
-            <a:ext cx="2006600" cy="369332"/>
-          </a:xfrm>
-          <a:prstGeom prst="rect">
-            <a:avLst/>
-          </a:prstGeom>
-          <a:noFill/>
-        </p:spPr>
-        <p:txBody>
-          <a:bodyPr wrap="square" rtlCol="0">
-            <a:spAutoFit/>
-          </a:bodyPr>
-          <a:lstStyle/>
-          <a:p>
-            <a:r>
-              <a:rPr lang="en-US" altLang="ko-KR" dirty="0" smtClean="0"/>
               <a:t>&lt;section&gt;</a:t>
             </a:r>
             <a:endParaRPr lang="ko-KR" altLang="en-US" dirty="0"/>
@@ -3315,8 +3285,8 @@
         </p:nvSpPr>
         <p:spPr>
           <a:xfrm>
-            <a:off x="1727199" y="472820"/>
-            <a:ext cx="1303867" cy="369332"/>
+            <a:off x="1662815" y="274422"/>
+            <a:ext cx="959467" cy="369332"/>
           </a:xfrm>
           <a:prstGeom prst="rect">
             <a:avLst/>
@@ -4041,7 +4011,7 @@
         </p:nvSpPr>
         <p:spPr>
           <a:xfrm>
-            <a:off x="6160550" y="6425606"/>
+            <a:off x="6264063" y="6425606"/>
             <a:ext cx="1042478" cy="263461"/>
           </a:xfrm>
           <a:prstGeom prst="rect">
@@ -4057,7 +4027,7 @@
           <a:p>
             <a:r>
               <a:rPr lang="ko-KR" altLang="en-US" sz="1100" dirty="0" err="1" smtClean="0"/>
-              <a:t>스탭블로그</a:t>
+              <a:t>오시는길</a:t>
             </a:r>
             <a:endParaRPr lang="ko-KR" altLang="en-US" sz="1100" dirty="0"/>
           </a:p>
@@ -4150,6 +4120,36 @@
           </a:bodyPr>
           <a:lstStyle/>
           <a:p>
+            <a:endParaRPr lang="ko-KR" altLang="en-US" dirty="0"/>
+          </a:p>
+        </p:txBody>
+      </p:sp>
+      <p:sp>
+        <p:nvSpPr>
+          <p:cNvPr id="39" name="TextBox 38"/>
+          <p:cNvSpPr txBox="1"/>
+          <p:nvPr/>
+        </p:nvSpPr>
+        <p:spPr>
+          <a:xfrm>
+            <a:off x="1486455" y="1805817"/>
+            <a:ext cx="2006600" cy="369332"/>
+          </a:xfrm>
+          <a:prstGeom prst="rect">
+            <a:avLst/>
+          </a:prstGeom>
+          <a:noFill/>
+        </p:spPr>
+        <p:txBody>
+          <a:bodyPr wrap="square" rtlCol="0">
+            <a:spAutoFit/>
+          </a:bodyPr>
+          <a:lstStyle/>
+          <a:p>
+            <a:r>
+              <a:rPr lang="en-US" altLang="ko-KR" dirty="0" smtClean="0"/>
+              <a:t>&lt;section&gt;</a:t>
+            </a:r>
             <a:endParaRPr lang="ko-KR" altLang="en-US" dirty="0"/>
           </a:p>
         </p:txBody>
